--- a/Forelesning 4.pptx
+++ b/Forelesning 4.pptx
@@ -135,7 +135,7 @@
 <file path=ppt/revisionInfo.xml><?xml version="1.0" encoding="utf-8"?>
 <p1510:revInfo xmlns:a="http://schemas.openxmlformats.org/drawingml/2006/main" xmlns:r="http://schemas.openxmlformats.org/officeDocument/2006/relationships" xmlns:p1510="http://schemas.microsoft.com/office/powerpoint/2015/10/main">
   <p1510:revLst>
-    <p1510:client id="{0DCB7315-43DF-467E-A984-F1F3219042C2}" v="60" dt="2021-11-04T16:49:26.024"/>
+    <p1510:client id="{0DCB7315-43DF-467E-A984-F1F3219042C2}" v="62" dt="2021-11-05T16:28:43.316"/>
   </p1510:revLst>
 </p1510:revInfo>
 </file>
@@ -1203,7 +1203,7 @@
   <pc:docChgLst>
     <pc:chgData name="Ammar Haddad" userId="93eb3f186d2f468f" providerId="LiveId" clId="{0DCB7315-43DF-467E-A984-F1F3219042C2}"/>
     <pc:docChg chg="undo custSel addSld delSld modSld sldOrd">
-      <pc:chgData name="Ammar Haddad" userId="93eb3f186d2f468f" providerId="LiveId" clId="{0DCB7315-43DF-467E-A984-F1F3219042C2}" dt="2021-11-04T16:52:44.284" v="5451" actId="113"/>
+      <pc:chgData name="Ammar Haddad" userId="93eb3f186d2f468f" providerId="LiveId" clId="{0DCB7315-43DF-467E-A984-F1F3219042C2}" dt="2021-11-05T16:29:55.929" v="5482" actId="20577"/>
       <pc:docMkLst>
         <pc:docMk/>
       </pc:docMkLst>
@@ -1394,8 +1394,8 @@
           </ac:spMkLst>
         </pc:spChg>
       </pc:sldChg>
-      <pc:sldChg chg="addSp delSp modSp mod ord modClrScheme modAnim chgLayout modNotesTx">
-        <pc:chgData name="Ammar Haddad" userId="93eb3f186d2f468f" providerId="LiveId" clId="{0DCB7315-43DF-467E-A984-F1F3219042C2}" dt="2021-11-04T16:15:43.665" v="4496"/>
+      <pc:sldChg chg="addSp delSp modSp mod ord modClrScheme delAnim modAnim chgLayout modNotesTx">
+        <pc:chgData name="Ammar Haddad" userId="93eb3f186d2f468f" providerId="LiveId" clId="{0DCB7315-43DF-467E-A984-F1F3219042C2}" dt="2021-11-05T16:28:43.316" v="5475"/>
         <pc:sldMkLst>
           <pc:docMk/>
           <pc:sldMk cId="2646602087" sldId="315"/>
@@ -1424,8 +1424,8 @@
             <ac:spMk id="9" creationId="{E6C1A37D-C6DF-4AB1-92E2-29F5D164F8C9}"/>
           </ac:spMkLst>
         </pc:spChg>
-        <pc:spChg chg="add mod">
-          <ac:chgData name="Ammar Haddad" userId="93eb3f186d2f468f" providerId="LiveId" clId="{0DCB7315-43DF-467E-A984-F1F3219042C2}" dt="2021-11-04T16:03:49.982" v="3499" actId="1076"/>
+        <pc:spChg chg="add del mod">
+          <ac:chgData name="Ammar Haddad" userId="93eb3f186d2f468f" providerId="LiveId" clId="{0DCB7315-43DF-467E-A984-F1F3219042C2}" dt="2021-11-05T16:27:47.787" v="5466"/>
           <ac:spMkLst>
             <pc:docMk/>
             <pc:sldMk cId="2646602087" sldId="315"/>
@@ -1433,6 +1433,14 @@
           </ac:spMkLst>
         </pc:spChg>
         <pc:spChg chg="add mod">
+          <ac:chgData name="Ammar Haddad" userId="93eb3f186d2f468f" providerId="LiveId" clId="{0DCB7315-43DF-467E-A984-F1F3219042C2}" dt="2021-11-05T16:28:02.207" v="5473" actId="1076"/>
+          <ac:spMkLst>
+            <pc:docMk/>
+            <pc:sldMk cId="2646602087" sldId="315"/>
+            <ac:spMk id="11" creationId="{4A1E78EB-E904-4BC4-BDAA-850D2C9148EC}"/>
+          </ac:spMkLst>
+        </pc:spChg>
+        <pc:spChg chg="add mod">
           <ac:chgData name="Ammar Haddad" userId="93eb3f186d2f468f" providerId="LiveId" clId="{0DCB7315-43DF-467E-A984-F1F3219042C2}" dt="2021-11-04T16:04:02.945" v="3500" actId="20577"/>
           <ac:spMkLst>
             <pc:docMk/>
@@ -1441,7 +1449,15 @@
           </ac:spMkLst>
         </pc:spChg>
         <pc:picChg chg="add mod">
-          <ac:chgData name="Ammar Haddad" userId="93eb3f186d2f468f" providerId="LiveId" clId="{0DCB7315-43DF-467E-A984-F1F3219042C2}" dt="2021-11-04T16:01:10.903" v="3457" actId="14100"/>
+          <ac:chgData name="Ammar Haddad" userId="93eb3f186d2f468f" providerId="LiveId" clId="{0DCB7315-43DF-467E-A984-F1F3219042C2}" dt="2021-11-05T16:27:56.773" v="5472" actId="1076"/>
+          <ac:picMkLst>
+            <pc:docMk/>
+            <pc:sldMk cId="2646602087" sldId="315"/>
+            <ac:picMk id="4" creationId="{B405CDF0-3FCE-4A5D-B3E3-3FAFA89A54F2}"/>
+          </ac:picMkLst>
+        </pc:picChg>
+        <pc:picChg chg="add del mod">
+          <ac:chgData name="Ammar Haddad" userId="93eb3f186d2f468f" providerId="LiveId" clId="{0DCB7315-43DF-467E-A984-F1F3219042C2}" dt="2021-11-05T16:26:59.745" v="5453" actId="478"/>
           <ac:picMkLst>
             <pc:docMk/>
             <pc:sldMk cId="2646602087" sldId="315"/>
@@ -1704,7 +1720,7 @@
         </pc:spChg>
       </pc:sldChg>
       <pc:sldChg chg="addSp delSp modSp add mod modClrScheme modAnim chgLayout">
-        <pc:chgData name="Ammar Haddad" userId="93eb3f186d2f468f" providerId="LiveId" clId="{0DCB7315-43DF-467E-A984-F1F3219042C2}" dt="2021-11-04T16:15:09.216" v="4494" actId="20577"/>
+        <pc:chgData name="Ammar Haddad" userId="93eb3f186d2f468f" providerId="LiveId" clId="{0DCB7315-43DF-467E-A984-F1F3219042C2}" dt="2021-11-05T16:29:55.929" v="5482" actId="20577"/>
         <pc:sldMkLst>
           <pc:docMk/>
           <pc:sldMk cId="552484603" sldId="324"/>
@@ -1742,7 +1758,7 @@
           </ac:spMkLst>
         </pc:spChg>
         <pc:spChg chg="add mod">
-          <ac:chgData name="Ammar Haddad" userId="93eb3f186d2f468f" providerId="LiveId" clId="{0DCB7315-43DF-467E-A984-F1F3219042C2}" dt="2021-11-04T16:15:09.216" v="4494" actId="20577"/>
+          <ac:chgData name="Ammar Haddad" userId="93eb3f186d2f468f" providerId="LiveId" clId="{0DCB7315-43DF-467E-A984-F1F3219042C2}" dt="2021-11-05T16:29:55.929" v="5482" actId="20577"/>
           <ac:spMkLst>
             <pc:docMk/>
             <pc:sldMk cId="552484603" sldId="324"/>
@@ -3436,7 +3452,7 @@
           <a:p>
             <a:fld id="{9CFB21C5-2699-414D-BD7D-79BFDE2E407F}" type="datetimeFigureOut">
               <a:rPr lang="nb-NO" smtClean="0"/>
-              <a:t>04.11.2021</a:t>
+              <a:t>05.11.2021</a:t>
             </a:fld>
             <a:endParaRPr lang="nb-NO"/>
           </a:p>
@@ -3614,7 +3630,7 @@
           <a:p>
             <a:fld id="{6B3FED17-5FBD-1E4B-BF0D-610BD3BE4D53}" type="datetimeFigureOut">
               <a:rPr lang="nb-NO" smtClean="0"/>
-              <a:t>04.11.2021</a:t>
+              <a:t>05.11.2021</a:t>
             </a:fld>
             <a:endParaRPr lang="nb-NO"/>
           </a:p>
@@ -14128,7 +14144,7 @@
               <a:rPr lang="en-US" dirty="0">
                 <a:sym typeface="Wingdings" panose="05000000000000000000" pitchFamily="2" charset="2"/>
               </a:rPr>
-              <a:t> OBS! Forbidden!!!</a:t>
+              <a:t> OOPS! Forbidden!!!</a:t>
             </a:r>
             <a:endParaRPr lang="en-US" dirty="0"/>
           </a:p>
@@ -18089,12 +18105,192 @@
           </a:p>
         </p:txBody>
       </p:sp>
+      <p:sp>
+        <p:nvSpPr>
+          <p:cNvPr id="9" name="TextBox 8">
+            <a:extLst>
+              <a:ext uri="{FF2B5EF4-FFF2-40B4-BE49-F238E27FC236}">
+                <a16:creationId xmlns:a16="http://schemas.microsoft.com/office/drawing/2014/main" id="{E6C1A37D-C6DF-4AB1-92E2-29F5D164F8C9}"/>
+              </a:ext>
+            </a:extLst>
+          </p:cNvPr>
+          <p:cNvSpPr txBox="1"/>
+          <p:nvPr/>
+        </p:nvSpPr>
+        <p:spPr>
+          <a:xfrm>
+            <a:off x="1661533" y="6370638"/>
+            <a:ext cx="3992646" cy="365125"/>
+          </a:xfrm>
+          <a:prstGeom prst="rect">
+            <a:avLst/>
+          </a:prstGeom>
+        </p:spPr>
+        <p:txBody>
+          <a:bodyPr vert="horz" lIns="90000" tIns="45720" rIns="91440" bIns="45720" rtlCol="0">
+            <a:normAutofit/>
+          </a:bodyPr>
+          <a:lstStyle/>
+          <a:p>
+            <a:pPr marL="228600" indent="-228600" algn="r">
+              <a:lnSpc>
+                <a:spcPct val="90000"/>
+              </a:lnSpc>
+              <a:spcBef>
+                <a:spcPts val="1000"/>
+              </a:spcBef>
+            </a:pPr>
+            <a:r>
+              <a:rPr lang="nb-NO" sz="500">
+                <a:solidFill>
+                  <a:srgbClr val="202124"/>
+                </a:solidFill>
+              </a:rPr>
+              <a:t>Ammar Khaled Haddad</a:t>
+            </a:r>
+          </a:p>
+          <a:p>
+            <a:pPr marL="228600" indent="-228600" algn="r">
+              <a:lnSpc>
+                <a:spcPct val="90000"/>
+              </a:lnSpc>
+              <a:spcBef>
+                <a:spcPts val="1000"/>
+              </a:spcBef>
+            </a:pPr>
+            <a:r>
+              <a:rPr lang="nb-NO" sz="500" spc="-8">
+                <a:solidFill>
+                  <a:srgbClr val="202124"/>
+                </a:solidFill>
+              </a:rPr>
+              <a:t>Wednesday</a:t>
+            </a:r>
+            <a:r>
+              <a:rPr lang="nb-NO" sz="500" spc="-6">
+                <a:solidFill>
+                  <a:srgbClr val="202124"/>
+                </a:solidFill>
+              </a:rPr>
+              <a:t> </a:t>
+            </a:r>
+            <a:r>
+              <a:rPr lang="nb-NO" sz="500">
+                <a:solidFill>
+                  <a:srgbClr val="202124"/>
+                </a:solidFill>
+              </a:rPr>
+              <a:t>|</a:t>
+            </a:r>
+            <a:r>
+              <a:rPr lang="nb-NO" sz="500" spc="-6">
+                <a:solidFill>
+                  <a:srgbClr val="202124"/>
+                </a:solidFill>
+              </a:rPr>
+              <a:t> </a:t>
+            </a:r>
+            <a:r>
+              <a:rPr lang="nb-NO" sz="500" spc="-3">
+                <a:solidFill>
+                  <a:srgbClr val="202124"/>
+                </a:solidFill>
+              </a:rPr>
+              <a:t>November</a:t>
+            </a:r>
+            <a:r>
+              <a:rPr lang="nb-NO" sz="500" spc="-6">
+                <a:solidFill>
+                  <a:srgbClr val="202124"/>
+                </a:solidFill>
+              </a:rPr>
+              <a:t> </a:t>
+            </a:r>
+            <a:r>
+              <a:rPr lang="nb-NO" sz="500" spc="-3">
+                <a:solidFill>
+                  <a:srgbClr val="202124"/>
+                </a:solidFill>
+              </a:rPr>
+              <a:t>10</a:t>
+            </a:r>
+            <a:r>
+              <a:rPr lang="nb-NO" sz="500" spc="-4" baseline="25462">
+                <a:solidFill>
+                  <a:srgbClr val="202124"/>
+                </a:solidFill>
+              </a:rPr>
+              <a:t>th</a:t>
+            </a:r>
+            <a:r>
+              <a:rPr lang="nb-NO" sz="500" spc="-3">
+                <a:solidFill>
+                  <a:srgbClr val="202124"/>
+                </a:solidFill>
+              </a:rPr>
+              <a:t>, </a:t>
+            </a:r>
+            <a:r>
+              <a:rPr lang="nb-NO" sz="500">
+                <a:solidFill>
+                  <a:srgbClr val="202124"/>
+                </a:solidFill>
+              </a:rPr>
+              <a:t>2021</a:t>
+            </a:r>
+          </a:p>
+        </p:txBody>
+      </p:sp>
+      <p:sp>
+        <p:nvSpPr>
+          <p:cNvPr id="2" name="Title 1">
+            <a:extLst>
+              <a:ext uri="{FF2B5EF4-FFF2-40B4-BE49-F238E27FC236}">
+                <a16:creationId xmlns:a16="http://schemas.microsoft.com/office/drawing/2014/main" id="{3BF6ABD2-F042-4BAB-B01B-C1197C6B2E40}"/>
+              </a:ext>
+            </a:extLst>
+          </p:cNvPr>
+          <p:cNvSpPr>
+            <a:spLocks noGrp="1"/>
+          </p:cNvSpPr>
+          <p:nvPr>
+            <p:ph type="title"/>
+          </p:nvPr>
+        </p:nvSpPr>
+        <p:spPr>
+          <a:xfrm>
+            <a:off x="721056" y="707572"/>
+            <a:ext cx="4933121" cy="1065472"/>
+          </a:xfrm>
+        </p:spPr>
+        <p:txBody>
+          <a:bodyPr vert="horz" lIns="91440" tIns="45720" rIns="91440" bIns="45720" rtlCol="0" anchor="b">
+            <a:normAutofit/>
+          </a:bodyPr>
+          <a:lstStyle/>
+          <a:p>
+            <a:r>
+              <a:rPr lang="nb-NO" b="1" i="0" kern="1200" spc="-3">
+                <a:latin typeface="Helvetica" pitchFamily="2" charset="0"/>
+                <a:ea typeface="+mj-ea"/>
+                <a:cs typeface="+mj-cs"/>
+              </a:rPr>
+              <a:t>Login</a:t>
+            </a:r>
+            <a:endParaRPr lang="nb-NO" b="1" i="0" kern="1200">
+              <a:latin typeface="Helvetica" pitchFamily="2" charset="0"/>
+              <a:ea typeface="+mj-ea"/>
+              <a:cs typeface="+mj-cs"/>
+            </a:endParaRPr>
+          </a:p>
+        </p:txBody>
+      </p:sp>
       <p:pic>
         <p:nvPicPr>
-          <p:cNvPr id="5" name="Picture 4">
+          <p:cNvPr id="7" name="Picture 6">
             <a:extLst>
               <a:ext uri="{FF2B5EF4-FFF2-40B4-BE49-F238E27FC236}">
-                <a16:creationId xmlns:a16="http://schemas.microsoft.com/office/drawing/2014/main" id="{68FDA87E-7DA0-4C27-A0BE-81C9ED4AE43E}"/>
+                <a16:creationId xmlns:a16="http://schemas.microsoft.com/office/drawing/2014/main" id="{F298AF99-50E4-42D2-9C91-CA113B013946}"/>
               </a:ext>
             </a:extLst>
           </p:cNvPr>
@@ -18111,201 +18307,20 @@
         </p:blipFill>
         <p:spPr>
           <a:xfrm>
-            <a:off x="6281738" y="0"/>
-            <a:ext cx="5910262" cy="6858000"/>
-          </a:xfrm>
-          <a:prstGeom prst="rect">
-            <a:avLst/>
-          </a:prstGeom>
-          <a:noFill/>
-        </p:spPr>
-      </p:pic>
-      <p:sp>
-        <p:nvSpPr>
-          <p:cNvPr id="9" name="TextBox 8">
-            <a:extLst>
-              <a:ext uri="{FF2B5EF4-FFF2-40B4-BE49-F238E27FC236}">
-                <a16:creationId xmlns:a16="http://schemas.microsoft.com/office/drawing/2014/main" id="{E6C1A37D-C6DF-4AB1-92E2-29F5D164F8C9}"/>
-              </a:ext>
-            </a:extLst>
-          </p:cNvPr>
-          <p:cNvSpPr txBox="1"/>
-          <p:nvPr/>
-        </p:nvSpPr>
-        <p:spPr>
-          <a:xfrm>
-            <a:off x="1661533" y="6370638"/>
-            <a:ext cx="3992646" cy="365125"/>
+            <a:off x="0" y="2639800"/>
+            <a:ext cx="5772956" cy="2791215"/>
           </a:xfrm>
           <a:prstGeom prst="rect">
             <a:avLst/>
           </a:prstGeom>
         </p:spPr>
-        <p:txBody>
-          <a:bodyPr vert="horz" lIns="90000" tIns="45720" rIns="91440" bIns="45720" rtlCol="0">
-            <a:normAutofit/>
-          </a:bodyPr>
-          <a:lstStyle/>
-          <a:p>
-            <a:pPr marL="228600" indent="-228600" algn="r">
-              <a:lnSpc>
-                <a:spcPct val="90000"/>
-              </a:lnSpc>
-              <a:spcBef>
-                <a:spcPts val="1000"/>
-              </a:spcBef>
-            </a:pPr>
-            <a:r>
-              <a:rPr lang="nb-NO" sz="500">
-                <a:solidFill>
-                  <a:srgbClr val="202124"/>
-                </a:solidFill>
-              </a:rPr>
-              <a:t>Ammar Khaled Haddad</a:t>
-            </a:r>
-          </a:p>
-          <a:p>
-            <a:pPr marL="228600" indent="-228600" algn="r">
-              <a:lnSpc>
-                <a:spcPct val="90000"/>
-              </a:lnSpc>
-              <a:spcBef>
-                <a:spcPts val="1000"/>
-              </a:spcBef>
-            </a:pPr>
-            <a:r>
-              <a:rPr lang="nb-NO" sz="500" spc="-8">
-                <a:solidFill>
-                  <a:srgbClr val="202124"/>
-                </a:solidFill>
-              </a:rPr>
-              <a:t>Wednesday</a:t>
-            </a:r>
-            <a:r>
-              <a:rPr lang="nb-NO" sz="500" spc="-6">
-                <a:solidFill>
-                  <a:srgbClr val="202124"/>
-                </a:solidFill>
-              </a:rPr>
-              <a:t> </a:t>
-            </a:r>
-            <a:r>
-              <a:rPr lang="nb-NO" sz="500">
-                <a:solidFill>
-                  <a:srgbClr val="202124"/>
-                </a:solidFill>
-              </a:rPr>
-              <a:t>|</a:t>
-            </a:r>
-            <a:r>
-              <a:rPr lang="nb-NO" sz="500" spc="-6">
-                <a:solidFill>
-                  <a:srgbClr val="202124"/>
-                </a:solidFill>
-              </a:rPr>
-              <a:t> </a:t>
-            </a:r>
-            <a:r>
-              <a:rPr lang="nb-NO" sz="500" spc="-3">
-                <a:solidFill>
-                  <a:srgbClr val="202124"/>
-                </a:solidFill>
-              </a:rPr>
-              <a:t>November</a:t>
-            </a:r>
-            <a:r>
-              <a:rPr lang="nb-NO" sz="500" spc="-6">
-                <a:solidFill>
-                  <a:srgbClr val="202124"/>
-                </a:solidFill>
-              </a:rPr>
-              <a:t> </a:t>
-            </a:r>
-            <a:r>
-              <a:rPr lang="nb-NO" sz="500" spc="-3">
-                <a:solidFill>
-                  <a:srgbClr val="202124"/>
-                </a:solidFill>
-              </a:rPr>
-              <a:t>10</a:t>
-            </a:r>
-            <a:r>
-              <a:rPr lang="nb-NO" sz="500" spc="-4" baseline="25462">
-                <a:solidFill>
-                  <a:srgbClr val="202124"/>
-                </a:solidFill>
-              </a:rPr>
-              <a:t>th</a:t>
-            </a:r>
-            <a:r>
-              <a:rPr lang="nb-NO" sz="500" spc="-3">
-                <a:solidFill>
-                  <a:srgbClr val="202124"/>
-                </a:solidFill>
-              </a:rPr>
-              <a:t>, </a:t>
-            </a:r>
-            <a:r>
-              <a:rPr lang="nb-NO" sz="500">
-                <a:solidFill>
-                  <a:srgbClr val="202124"/>
-                </a:solidFill>
-              </a:rPr>
-              <a:t>2021</a:t>
-            </a:r>
-          </a:p>
-        </p:txBody>
-      </p:sp>
-      <p:sp>
-        <p:nvSpPr>
-          <p:cNvPr id="2" name="Title 1">
-            <a:extLst>
-              <a:ext uri="{FF2B5EF4-FFF2-40B4-BE49-F238E27FC236}">
-                <a16:creationId xmlns:a16="http://schemas.microsoft.com/office/drawing/2014/main" id="{3BF6ABD2-F042-4BAB-B01B-C1197C6B2E40}"/>
-              </a:ext>
-            </a:extLst>
-          </p:cNvPr>
-          <p:cNvSpPr>
-            <a:spLocks noGrp="1"/>
-          </p:cNvSpPr>
-          <p:nvPr>
-            <p:ph type="title"/>
-          </p:nvPr>
-        </p:nvSpPr>
-        <p:spPr>
-          <a:xfrm>
-            <a:off x="721056" y="707572"/>
-            <a:ext cx="4933121" cy="1065472"/>
-          </a:xfrm>
-        </p:spPr>
-        <p:txBody>
-          <a:bodyPr vert="horz" lIns="91440" tIns="45720" rIns="91440" bIns="45720" rtlCol="0" anchor="b">
-            <a:normAutofit/>
-          </a:bodyPr>
-          <a:lstStyle/>
-          <a:p>
-            <a:r>
-              <a:rPr lang="nb-NO" b="1" i="0" kern="1200" spc="-3">
-                <a:latin typeface="Helvetica" pitchFamily="2" charset="0"/>
-                <a:ea typeface="+mj-ea"/>
-                <a:cs typeface="+mj-cs"/>
-              </a:rPr>
-              <a:t>Login</a:t>
-            </a:r>
-            <a:endParaRPr lang="nb-NO" b="1" i="0" kern="1200">
-              <a:latin typeface="Helvetica" pitchFamily="2" charset="0"/>
-              <a:ea typeface="+mj-ea"/>
-              <a:cs typeface="+mj-cs"/>
-            </a:endParaRPr>
-          </a:p>
-        </p:txBody>
-      </p:sp>
+      </p:pic>
       <p:pic>
         <p:nvPicPr>
-          <p:cNvPr id="7" name="Picture 6">
+          <p:cNvPr id="4" name="Picture 3">
             <a:extLst>
               <a:ext uri="{FF2B5EF4-FFF2-40B4-BE49-F238E27FC236}">
-                <a16:creationId xmlns:a16="http://schemas.microsoft.com/office/drawing/2014/main" id="{F298AF99-50E4-42D2-9C91-CA113B013946}"/>
+                <a16:creationId xmlns:a16="http://schemas.microsoft.com/office/drawing/2014/main" id="{B405CDF0-3FCE-4A5D-B3E3-3FAFA89A54F2}"/>
               </a:ext>
             </a:extLst>
           </p:cNvPr>
@@ -18322,8 +18337,8 @@
         </p:blipFill>
         <p:spPr>
           <a:xfrm>
-            <a:off x="0" y="2639800"/>
-            <a:ext cx="5772956" cy="2791215"/>
+            <a:off x="6279614" y="-171062"/>
+            <a:ext cx="5912386" cy="7067320"/>
           </a:xfrm>
           <a:prstGeom prst="rect">
             <a:avLst/>
@@ -18332,10 +18347,10 @@
       </p:pic>
       <p:sp>
         <p:nvSpPr>
-          <p:cNvPr id="10" name="TextBox 9">
+          <p:cNvPr id="11" name="TextBox 10">
             <a:extLst>
               <a:ext uri="{FF2B5EF4-FFF2-40B4-BE49-F238E27FC236}">
-                <a16:creationId xmlns:a16="http://schemas.microsoft.com/office/drawing/2014/main" id="{EAEA0AFB-65A7-4F0D-A54A-33E7DB7A0179}"/>
+                <a16:creationId xmlns:a16="http://schemas.microsoft.com/office/drawing/2014/main" id="{4A1E78EB-E904-4BC4-BDAA-850D2C9148EC}"/>
               </a:ext>
             </a:extLst>
           </p:cNvPr>
@@ -18344,8 +18359,8 @@
         </p:nvSpPr>
         <p:spPr>
           <a:xfrm>
-            <a:off x="6375234" y="3894570"/>
-            <a:ext cx="6758848" cy="461665"/>
+            <a:off x="6279614" y="4554195"/>
+            <a:ext cx="6577070" cy="369332"/>
           </a:xfrm>
           <a:prstGeom prst="rect">
             <a:avLst/>
@@ -18359,7 +18374,7 @@
           <a:lstStyle/>
           <a:p>
             <a:r>
-              <a:rPr lang="nb-NO" sz="2400" b="1" dirty="0">
+              <a:rPr lang="nb-NO" sz="1800" b="1" dirty="0">
                 <a:solidFill>
                   <a:srgbClr val="FF0000"/>
                 </a:solidFill>
@@ -18367,7 +18382,7 @@
               </a:rPr>
               <a:t></a:t>
             </a:r>
-            <a:endParaRPr lang="en-GB" sz="2400" b="1" dirty="0">
+            <a:endParaRPr lang="en-GB" sz="1800" b="1" dirty="0">
               <a:solidFill>
                 <a:srgbClr val="FF0000"/>
               </a:solidFill>
@@ -18472,7 +18487,7 @@
                                           </p:stCondLst>
                                         </p:cTn>
                                         <p:tgtEl>
-                                          <p:spTgt spid="5"/>
+                                          <p:spTgt spid="4"/>
                                         </p:tgtEl>
                                         <p:attrNameLst>
                                           <p:attrName>style.visibility</p:attrName>
@@ -18486,7 +18501,7 @@
                                       <p:cBhvr>
                                         <p:cTn id="12" dur="500"/>
                                         <p:tgtEl>
-                                          <p:spTgt spid="5"/>
+                                          <p:spTgt spid="4"/>
                                         </p:tgtEl>
                                       </p:cBhvr>
                                     </p:animEffect>
@@ -18512,7 +18527,7 @@
                             </p:stCondLst>
                             <p:childTnLst>
                               <p:par>
-                                <p:cTn id="15" presetID="10" presetClass="entr" presetSubtype="0" fill="hold" nodeType="clickEffect">
+                                <p:cTn id="15" presetID="10" presetClass="entr" presetSubtype="0" fill="hold" grpId="0" nodeType="clickEffect">
                                   <p:stCondLst>
                                     <p:cond delay="0"/>
                                   </p:stCondLst>
@@ -18525,11 +18540,7 @@
                                           </p:stCondLst>
                                         </p:cTn>
                                         <p:tgtEl>
-                                          <p:spTgt spid="10">
-                                            <p:txEl>
-                                              <p:pRg st="0" end="0"/>
-                                            </p:txEl>
-                                          </p:spTgt>
+                                          <p:spTgt spid="11"/>
                                         </p:tgtEl>
                                         <p:attrNameLst>
                                           <p:attrName>style.visibility</p:attrName>
@@ -18543,11 +18554,7 @@
                                       <p:cBhvr>
                                         <p:cTn id="17" dur="500"/>
                                         <p:tgtEl>
-                                          <p:spTgt spid="10">
-                                            <p:txEl>
-                                              <p:pRg st="0" end="0"/>
-                                            </p:txEl>
-                                          </p:spTgt>
+                                          <p:spTgt spid="11"/>
                                         </p:tgtEl>
                                       </p:cBhvr>
                                     </p:animEffect>
@@ -18581,6 +18588,9 @@
         </p:cTn>
       </p:par>
     </p:tnLst>
+    <p:bldLst>
+      <p:bldP spid="11" grpId="0"/>
+    </p:bldLst>
   </p:timing>
 </p:sld>
 </file>

--- a/Forelesning 4.pptx
+++ b/Forelesning 4.pptx
@@ -132,14 +132,6 @@
 </p:presentation>
 </file>
 
-<file path=ppt/revisionInfo.xml><?xml version="1.0" encoding="utf-8"?>
-<p1510:revInfo xmlns:a="http://schemas.openxmlformats.org/drawingml/2006/main" xmlns:r="http://schemas.openxmlformats.org/officeDocument/2006/relationships" xmlns:p1510="http://schemas.microsoft.com/office/powerpoint/2015/10/main">
-  <p1510:revLst>
-    <p1510:client id="{0DCB7315-43DF-467E-A984-F1F3219042C2}" v="62" dt="2021-11-05T16:28:43.316"/>
-  </p1510:revLst>
-</p1510:revInfo>
-</file>
-
 <file path=ppt/changesInfos/changesInfo1.xml><?xml version="1.0" encoding="utf-8"?>
 <pc:chgInfo xmlns:a="http://schemas.openxmlformats.org/drawingml/2006/main" xmlns:r="http://schemas.openxmlformats.org/officeDocument/2006/relationships" xmlns:ac="http://schemas.microsoft.com/office/drawing/2013/main/command" xmlns:pc="http://schemas.microsoft.com/office/powerpoint/2013/main/command">
   <pc:docChgLst>
@@ -1197,6 +1189,45 @@
           <pc:docMk/>
           <pc:sldMk cId="1260990829" sldId="322"/>
         </pc:sldMkLst>
+      </pc:sldChg>
+    </pc:docChg>
+  </pc:docChgLst>
+  <pc:docChgLst>
+    <pc:chgData name="Ammar Haddad" userId="93eb3f186d2f468f" providerId="LiveId" clId="{12FA0B18-E3F4-4553-85D2-F46B42E1D089}"/>
+    <pc:docChg chg="modSld">
+      <pc:chgData name="Ammar Haddad" userId="93eb3f186d2f468f" providerId="LiveId" clId="{12FA0B18-E3F4-4553-85D2-F46B42E1D089}" dt="2021-11-08T23:45:11.038" v="4"/>
+      <pc:docMkLst>
+        <pc:docMk/>
+      </pc:docMkLst>
+      <pc:sldChg chg="modSp mod">
+        <pc:chgData name="Ammar Haddad" userId="93eb3f186d2f468f" providerId="LiveId" clId="{12FA0B18-E3F4-4553-85D2-F46B42E1D089}" dt="2021-11-08T23:42:59.980" v="3" actId="20577"/>
+        <pc:sldMkLst>
+          <pc:docMk/>
+          <pc:sldMk cId="1445914148" sldId="323"/>
+        </pc:sldMkLst>
+        <pc:spChg chg="mod">
+          <ac:chgData name="Ammar Haddad" userId="93eb3f186d2f468f" providerId="LiveId" clId="{12FA0B18-E3F4-4553-85D2-F46B42E1D089}" dt="2021-11-08T23:42:59.980" v="3" actId="20577"/>
+          <ac:spMkLst>
+            <pc:docMk/>
+            <pc:sldMk cId="1445914148" sldId="323"/>
+            <ac:spMk id="3" creationId="{A662D049-34B3-430B-BF9D-516F3F7735BA}"/>
+          </ac:spMkLst>
+        </pc:spChg>
+      </pc:sldChg>
+      <pc:sldChg chg="modSp mod">
+        <pc:chgData name="Ammar Haddad" userId="93eb3f186d2f468f" providerId="LiveId" clId="{12FA0B18-E3F4-4553-85D2-F46B42E1D089}" dt="2021-11-08T23:45:11.038" v="4"/>
+        <pc:sldMkLst>
+          <pc:docMk/>
+          <pc:sldMk cId="552484603" sldId="324"/>
+        </pc:sldMkLst>
+        <pc:spChg chg="mod">
+          <ac:chgData name="Ammar Haddad" userId="93eb3f186d2f468f" providerId="LiveId" clId="{12FA0B18-E3F4-4553-85D2-F46B42E1D089}" dt="2021-11-08T23:45:11.038" v="4"/>
+          <ac:spMkLst>
+            <pc:docMk/>
+            <pc:sldMk cId="552484603" sldId="324"/>
+            <ac:spMk id="2" creationId="{3BF6ABD2-F042-4BAB-B01B-C1197C6B2E40}"/>
+          </ac:spMkLst>
+        </pc:spChg>
       </pc:sldChg>
     </pc:docChg>
   </pc:docChgLst>
@@ -3452,7 +3483,7 @@
           <a:p>
             <a:fld id="{9CFB21C5-2699-414D-BD7D-79BFDE2E407F}" type="datetimeFigureOut">
               <a:rPr lang="nb-NO" smtClean="0"/>
-              <a:t>05.11.2021</a:t>
+              <a:t>09.11.2021</a:t>
             </a:fld>
             <a:endParaRPr lang="nb-NO"/>
           </a:p>
@@ -3630,7 +3661,7 @@
           <a:p>
             <a:fld id="{6B3FED17-5FBD-1E4B-BF0D-610BD3BE4D53}" type="datetimeFigureOut">
               <a:rPr lang="nb-NO" smtClean="0"/>
-              <a:t>05.11.2021</a:t>
+              <a:t>09.11.2021</a:t>
             </a:fld>
             <a:endParaRPr lang="nb-NO"/>
           </a:p>
@@ -14346,14 +14377,18 @@
           <a:lstStyle/>
           <a:p>
             <a:r>
-              <a:rPr lang="nb-NO" b="1" i="0" kern="1200" spc="-3">
+              <a:rPr lang="nb-NO" spc="-3" dirty="0"/>
+              <a:t>Rettighets</a:t>
+            </a:r>
+            <a:r>
+              <a:rPr lang="nb-NO" b="1" i="0" kern="1200" spc="-3" dirty="0">
                 <a:latin typeface="Helvetica" pitchFamily="2" charset="0"/>
                 <a:ea typeface="+mj-ea"/>
                 <a:cs typeface="+mj-cs"/>
               </a:rPr>
-              <a:t>File upload and downloads</a:t>
-            </a:r>
-            <a:endParaRPr lang="nb-NO" b="1" i="0" kern="1200">
+              <a:t>validering</a:t>
+            </a:r>
+            <a:endParaRPr lang="nb-NO" b="1" i="0" kern="1200" dirty="0">
               <a:latin typeface="Helvetica" pitchFamily="2" charset="0"/>
               <a:ea typeface="+mj-ea"/>
               <a:cs typeface="+mj-cs"/>
@@ -17308,7 +17343,7 @@
             </a:r>
             <a:r>
               <a:rPr lang="nb-NO" sz="3600" dirty="0"/>
-              <a:t> er den tiden man bruker i nettsiden når man er logget inn. Når man logger seg av så blir </a:t>
+              <a:t> er den tiden man bruker i nettsiden når man er logget inn. Når man logger seg ut så blir </a:t>
             </a:r>
             <a:r>
               <a:rPr lang="nb-NO" sz="3600" dirty="0" err="1"/>
